--- a/這是天父世界(華語版).pptx
+++ b/這是天父世界(華語版).pptx
@@ -111,7 +111,7 @@
   </p:defaultTextStyle>
   <p:extLst>
     <p:ext uri="{EFAFB233-063F-42B5-8137-9DF3F51BA10A}">
-      <p15:sldGuideLst xmlns:p15="http://schemas.microsoft.com/office/powerpoint/2012/main" xmlns="">
+      <p15:sldGuideLst xmlns:p15="http://schemas.microsoft.com/office/powerpoint/2012/main">
         <p15:guide id="1" orient="horz" pos="1620">
           <p15:clr>
             <a:srgbClr val="A4A3A4"/>
@@ -310,7 +310,7 @@
             <a:fld id="{4501EB18-C390-4468-93A4-92969EAFDCFE}" type="datetimeFigureOut">
               <a:rPr lang="en-US" smtClean="0"/>
               <a:pPr/>
-              <a:t>10/4/2020</a:t>
+              <a:t>10/9/2020</a:t>
             </a:fld>
             <a:endParaRPr lang="en-US"/>
           </a:p>
@@ -477,7 +477,7 @@
             <a:fld id="{4501EB18-C390-4468-93A4-92969EAFDCFE}" type="datetimeFigureOut">
               <a:rPr lang="en-US" smtClean="0"/>
               <a:pPr/>
-              <a:t>10/4/2020</a:t>
+              <a:t>10/9/2020</a:t>
             </a:fld>
             <a:endParaRPr lang="en-US"/>
           </a:p>
@@ -654,7 +654,7 @@
             <a:fld id="{4501EB18-C390-4468-93A4-92969EAFDCFE}" type="datetimeFigureOut">
               <a:rPr lang="en-US" smtClean="0"/>
               <a:pPr/>
-              <a:t>10/4/2020</a:t>
+              <a:t>10/9/2020</a:t>
             </a:fld>
             <a:endParaRPr lang="en-US"/>
           </a:p>
@@ -821,7 +821,7 @@
             <a:fld id="{4501EB18-C390-4468-93A4-92969EAFDCFE}" type="datetimeFigureOut">
               <a:rPr lang="en-US" smtClean="0"/>
               <a:pPr/>
-              <a:t>10/4/2020</a:t>
+              <a:t>10/9/2020</a:t>
             </a:fld>
             <a:endParaRPr lang="en-US"/>
           </a:p>
@@ -1064,7 +1064,7 @@
             <a:fld id="{4501EB18-C390-4468-93A4-92969EAFDCFE}" type="datetimeFigureOut">
               <a:rPr lang="en-US" smtClean="0"/>
               <a:pPr/>
-              <a:t>10/4/2020</a:t>
+              <a:t>10/9/2020</a:t>
             </a:fld>
             <a:endParaRPr lang="en-US"/>
           </a:p>
@@ -1349,7 +1349,7 @@
             <a:fld id="{4501EB18-C390-4468-93A4-92969EAFDCFE}" type="datetimeFigureOut">
               <a:rPr lang="en-US" smtClean="0"/>
               <a:pPr/>
-              <a:t>10/4/2020</a:t>
+              <a:t>10/9/2020</a:t>
             </a:fld>
             <a:endParaRPr lang="en-US"/>
           </a:p>
@@ -1768,7 +1768,7 @@
             <a:fld id="{4501EB18-C390-4468-93A4-92969EAFDCFE}" type="datetimeFigureOut">
               <a:rPr lang="en-US" smtClean="0"/>
               <a:pPr/>
-              <a:t>10/4/2020</a:t>
+              <a:t>10/9/2020</a:t>
             </a:fld>
             <a:endParaRPr lang="en-US"/>
           </a:p>
@@ -1883,7 +1883,7 @@
             <a:fld id="{4501EB18-C390-4468-93A4-92969EAFDCFE}" type="datetimeFigureOut">
               <a:rPr lang="en-US" smtClean="0"/>
               <a:pPr/>
-              <a:t>10/4/2020</a:t>
+              <a:t>10/9/2020</a:t>
             </a:fld>
             <a:endParaRPr lang="en-US"/>
           </a:p>
@@ -1975,7 +1975,7 @@
             <a:fld id="{4501EB18-C390-4468-93A4-92969EAFDCFE}" type="datetimeFigureOut">
               <a:rPr lang="en-US" smtClean="0"/>
               <a:pPr/>
-              <a:t>10/4/2020</a:t>
+              <a:t>10/9/2020</a:t>
             </a:fld>
             <a:endParaRPr lang="en-US"/>
           </a:p>
@@ -2249,7 +2249,7 @@
             <a:fld id="{4501EB18-C390-4468-93A4-92969EAFDCFE}" type="datetimeFigureOut">
               <a:rPr lang="en-US" smtClean="0"/>
               <a:pPr/>
-              <a:t>10/4/2020</a:t>
+              <a:t>10/9/2020</a:t>
             </a:fld>
             <a:endParaRPr lang="en-US"/>
           </a:p>
@@ -2503,7 +2503,7 @@
             <a:fld id="{4501EB18-C390-4468-93A4-92969EAFDCFE}" type="datetimeFigureOut">
               <a:rPr lang="en-US" smtClean="0"/>
               <a:pPr/>
-              <a:t>10/4/2020</a:t>
+              <a:t>10/9/2020</a:t>
             </a:fld>
             <a:endParaRPr lang="en-US"/>
           </a:p>
@@ -2718,7 +2718,7 @@
             <a:fld id="{4501EB18-C390-4468-93A4-92969EAFDCFE}" type="datetimeFigureOut">
               <a:rPr lang="en-US" smtClean="0"/>
               <a:pPr/>
-              <a:t>10/4/2020</a:t>
+              <a:t>10/9/2020</a:t>
             </a:fld>
             <a:endParaRPr lang="en-US"/>
           </a:p>
@@ -3296,7 +3296,7 @@
     </p:spTree>
     <p:extLst>
       <p:ext uri="{BB962C8B-B14F-4D97-AF65-F5344CB8AC3E}">
-        <p14:creationId xmlns:p14="http://schemas.microsoft.com/office/powerpoint/2010/main" xmlns="" val="1775328135"/>
+        <p14:creationId xmlns:p14="http://schemas.microsoft.com/office/powerpoint/2010/main" val="1775328135"/>
       </p:ext>
     </p:extLst>
   </p:cSld>
@@ -3517,7 +3517,7 @@
     </p:spTree>
     <p:extLst>
       <p:ext uri="{BB962C8B-B14F-4D97-AF65-F5344CB8AC3E}">
-        <p14:creationId xmlns:p14="http://schemas.microsoft.com/office/powerpoint/2010/main" xmlns="" val="4236187753"/>
+        <p14:creationId xmlns:p14="http://schemas.microsoft.com/office/powerpoint/2010/main" val="4236187753"/>
       </p:ext>
     </p:extLst>
   </p:cSld>
@@ -3686,11 +3686,7 @@
           <a:p>
             <a:r>
               <a:rPr lang="en-US" sz="4000" b="1" dirty="0" smtClean="0"/>
-              <a:t>2</a:t>
-            </a:r>
-            <a:r>
-              <a:rPr lang="en-US" sz="4000" b="1" dirty="0" smtClean="0"/>
-              <a:t>.</a:t>
+              <a:t>2.</a:t>
             </a:r>
             <a:endParaRPr lang="vi-VN" sz="4000" b="1" dirty="0"/>
           </a:p>
@@ -3699,7 +3695,7 @@
     </p:spTree>
     <p:extLst>
       <p:ext uri="{BB962C8B-B14F-4D97-AF65-F5344CB8AC3E}">
-        <p14:creationId xmlns:p14="http://schemas.microsoft.com/office/powerpoint/2010/main" xmlns="" val="3165584832"/>
+        <p14:creationId xmlns:p14="http://schemas.microsoft.com/office/powerpoint/2010/main" val="3165584832"/>
       </p:ext>
     </p:extLst>
   </p:cSld>
@@ -3868,11 +3864,7 @@
           <a:p>
             <a:r>
               <a:rPr lang="en-US" sz="4000" b="1" dirty="0" smtClean="0"/>
-              <a:t>2</a:t>
-            </a:r>
-            <a:r>
-              <a:rPr lang="en-US" sz="4000" b="1" dirty="0" smtClean="0"/>
-              <a:t>.</a:t>
+              <a:t>2.</a:t>
             </a:r>
             <a:endParaRPr lang="vi-VN" sz="4000" b="1" dirty="0"/>
           </a:p>
@@ -3881,7 +3873,7 @@
     </p:spTree>
     <p:extLst>
       <p:ext uri="{BB962C8B-B14F-4D97-AF65-F5344CB8AC3E}">
-        <p14:creationId xmlns:p14="http://schemas.microsoft.com/office/powerpoint/2010/main" xmlns="" val="161943966"/>
+        <p14:creationId xmlns:p14="http://schemas.microsoft.com/office/powerpoint/2010/main" val="161943966"/>
       </p:ext>
     </p:extLst>
   </p:cSld>
@@ -4050,11 +4042,7 @@
           <a:p>
             <a:r>
               <a:rPr lang="en-US" sz="4000" b="1" dirty="0" smtClean="0"/>
-              <a:t>3</a:t>
-            </a:r>
-            <a:r>
-              <a:rPr lang="en-US" sz="4000" b="1" dirty="0" smtClean="0"/>
-              <a:t>.</a:t>
+              <a:t>3.</a:t>
             </a:r>
             <a:endParaRPr lang="vi-VN" sz="4000" b="1" dirty="0"/>
           </a:p>
@@ -4063,7 +4051,7 @@
     </p:spTree>
     <p:extLst>
       <p:ext uri="{BB962C8B-B14F-4D97-AF65-F5344CB8AC3E}">
-        <p14:creationId xmlns:p14="http://schemas.microsoft.com/office/powerpoint/2010/main" xmlns="" val="2173688353"/>
+        <p14:creationId xmlns:p14="http://schemas.microsoft.com/office/powerpoint/2010/main" val="2173688353"/>
       </p:ext>
     </p:extLst>
   </p:cSld>
@@ -4232,11 +4220,7 @@
           <a:p>
             <a:r>
               <a:rPr lang="en-US" sz="4000" b="1" dirty="0" smtClean="0"/>
-              <a:t>3</a:t>
-            </a:r>
-            <a:r>
-              <a:rPr lang="en-US" sz="4000" b="1" dirty="0" smtClean="0"/>
-              <a:t>.</a:t>
+              <a:t>3.</a:t>
             </a:r>
             <a:endParaRPr lang="vi-VN" sz="4000" b="1" dirty="0"/>
           </a:p>
@@ -4245,7 +4229,7 @@
     </p:spTree>
     <p:extLst>
       <p:ext uri="{BB962C8B-B14F-4D97-AF65-F5344CB8AC3E}">
-        <p14:creationId xmlns:p14="http://schemas.microsoft.com/office/powerpoint/2010/main" xmlns="" val="3745409086"/>
+        <p14:creationId xmlns:p14="http://schemas.microsoft.com/office/powerpoint/2010/main" val="3745409086"/>
       </p:ext>
     </p:extLst>
   </p:cSld>
